--- a/ppt 16-9/1344.义人必蒙福.pptx
+++ b/ppt 16-9/1344.义人必蒙福.pptx
@@ -129,7 +129,7 @@
           <p:cNvPr id="2" name="标题 1">
             <a:extLst>
               <a:ext uri="{FF2B5EF4-FFF2-40B4-BE49-F238E27FC236}">
-                <a16:creationId xmlns:a16="http://schemas.microsoft.com/office/drawing/2014/main" id="{DDD623BA-4EB3-BFDF-1D26-CEF6E6A002A0}"/>
+                <a16:creationId xmlns:a16="http://schemas.microsoft.com/office/drawing/2014/main" id="{139AC2D8-302B-7BB6-5CC3-EFF514E14EC7}"/>
               </a:ext>
             </a:extLst>
           </p:cNvPr>
@@ -166,7 +166,7 @@
           <p:cNvPr id="3" name="副标题 2">
             <a:extLst>
               <a:ext uri="{FF2B5EF4-FFF2-40B4-BE49-F238E27FC236}">
-                <a16:creationId xmlns:a16="http://schemas.microsoft.com/office/drawing/2014/main" id="{63E1703D-966D-2BA4-BAC5-8C6EFE3B9995}"/>
+                <a16:creationId xmlns:a16="http://schemas.microsoft.com/office/drawing/2014/main" id="{065BDFD0-CD8F-32A7-6A57-F83F4CCDD9E8}"/>
               </a:ext>
             </a:extLst>
           </p:cNvPr>
@@ -236,7 +236,7 @@
           <p:cNvPr id="4" name="日期占位符 3">
             <a:extLst>
               <a:ext uri="{FF2B5EF4-FFF2-40B4-BE49-F238E27FC236}">
-                <a16:creationId xmlns:a16="http://schemas.microsoft.com/office/drawing/2014/main" id="{BFCC9F80-4BBA-6498-D4CD-EC6121BB6D5F}"/>
+                <a16:creationId xmlns:a16="http://schemas.microsoft.com/office/drawing/2014/main" id="{90323360-7F3E-0DB9-9F24-EE215A8D9B2C}"/>
               </a:ext>
             </a:extLst>
           </p:cNvPr>
@@ -252,7 +252,7 @@
           <a:bodyPr/>
           <a:lstStyle/>
           <a:p>
-            <a:fld id="{2178ED1A-B299-4602-A9B1-FA356DBC877B}" type="datetimeFigureOut">
+            <a:fld id="{CDDD32A1-FA56-431C-AACA-78B900DE0D31}" type="datetimeFigureOut">
               <a:rPr lang="zh-CN" altLang="en-US" smtClean="0"/>
               <a:t>2024/3/10</a:t>
             </a:fld>
@@ -265,7 +265,7 @@
           <p:cNvPr id="5" name="页脚占位符 4">
             <a:extLst>
               <a:ext uri="{FF2B5EF4-FFF2-40B4-BE49-F238E27FC236}">
-                <a16:creationId xmlns:a16="http://schemas.microsoft.com/office/drawing/2014/main" id="{5AD527B7-5AA6-5164-F1BA-5FEA516C597D}"/>
+                <a16:creationId xmlns:a16="http://schemas.microsoft.com/office/drawing/2014/main" id="{DD129E34-2CDF-004B-3E90-9B83BB4DF24E}"/>
               </a:ext>
             </a:extLst>
           </p:cNvPr>
@@ -290,7 +290,7 @@
           <p:cNvPr id="6" name="灯片编号占位符 5">
             <a:extLst>
               <a:ext uri="{FF2B5EF4-FFF2-40B4-BE49-F238E27FC236}">
-                <a16:creationId xmlns:a16="http://schemas.microsoft.com/office/drawing/2014/main" id="{E0D8117F-B6B3-0DD4-6CDD-3417C0C02599}"/>
+                <a16:creationId xmlns:a16="http://schemas.microsoft.com/office/drawing/2014/main" id="{F0C07BD3-482F-675C-10A8-F2A775CC364A}"/>
               </a:ext>
             </a:extLst>
           </p:cNvPr>
@@ -306,7 +306,7 @@
           <a:bodyPr/>
           <a:lstStyle/>
           <a:p>
-            <a:fld id="{8DB203CA-B80D-4117-A617-953BB75C88C5}" type="slidenum">
+            <a:fld id="{46F45A6E-4EC5-46D9-A1F7-6C050CB42130}" type="slidenum">
               <a:rPr lang="zh-CN" altLang="en-US" smtClean="0"/>
               <a:t>‹#›</a:t>
             </a:fld>
@@ -317,7 +317,7 @@
     </p:spTree>
     <p:extLst>
       <p:ext uri="{BB962C8B-B14F-4D97-AF65-F5344CB8AC3E}">
-        <p14:creationId xmlns:p14="http://schemas.microsoft.com/office/powerpoint/2010/main" val="1888097478"/>
+        <p14:creationId xmlns:p14="http://schemas.microsoft.com/office/powerpoint/2010/main" val="1674102899"/>
       </p:ext>
     </p:extLst>
   </p:cSld>
@@ -349,7 +349,7 @@
           <p:cNvPr id="2" name="标题 1">
             <a:extLst>
               <a:ext uri="{FF2B5EF4-FFF2-40B4-BE49-F238E27FC236}">
-                <a16:creationId xmlns:a16="http://schemas.microsoft.com/office/drawing/2014/main" id="{78277F85-B021-B56E-499A-3EBA38BA15DF}"/>
+                <a16:creationId xmlns:a16="http://schemas.microsoft.com/office/drawing/2014/main" id="{F69F1B89-EE39-CF00-C604-82992A518819}"/>
               </a:ext>
             </a:extLst>
           </p:cNvPr>
@@ -377,7 +377,7 @@
           <p:cNvPr id="3" name="竖排文字占位符 2">
             <a:extLst>
               <a:ext uri="{FF2B5EF4-FFF2-40B4-BE49-F238E27FC236}">
-                <a16:creationId xmlns:a16="http://schemas.microsoft.com/office/drawing/2014/main" id="{D1CD1C19-92E4-2787-2EE7-72DA310756B1}"/>
+                <a16:creationId xmlns:a16="http://schemas.microsoft.com/office/drawing/2014/main" id="{95B5A97C-F517-582C-8A3F-3C8D6152D74B}"/>
               </a:ext>
             </a:extLst>
           </p:cNvPr>
@@ -434,7 +434,7 @@
           <p:cNvPr id="4" name="日期占位符 3">
             <a:extLst>
               <a:ext uri="{FF2B5EF4-FFF2-40B4-BE49-F238E27FC236}">
-                <a16:creationId xmlns:a16="http://schemas.microsoft.com/office/drawing/2014/main" id="{B58C3D06-7BB0-90B6-1D4E-3C01E70BDCDC}"/>
+                <a16:creationId xmlns:a16="http://schemas.microsoft.com/office/drawing/2014/main" id="{5C50B1B2-C22F-A05F-85AF-E6C7C8BD486E}"/>
               </a:ext>
             </a:extLst>
           </p:cNvPr>
@@ -450,7 +450,7 @@
           <a:bodyPr/>
           <a:lstStyle/>
           <a:p>
-            <a:fld id="{2178ED1A-B299-4602-A9B1-FA356DBC877B}" type="datetimeFigureOut">
+            <a:fld id="{CDDD32A1-FA56-431C-AACA-78B900DE0D31}" type="datetimeFigureOut">
               <a:rPr lang="zh-CN" altLang="en-US" smtClean="0"/>
               <a:t>2024/3/10</a:t>
             </a:fld>
@@ -463,7 +463,7 @@
           <p:cNvPr id="5" name="页脚占位符 4">
             <a:extLst>
               <a:ext uri="{FF2B5EF4-FFF2-40B4-BE49-F238E27FC236}">
-                <a16:creationId xmlns:a16="http://schemas.microsoft.com/office/drawing/2014/main" id="{86ECD03E-6DA4-E430-32E0-A251B815375F}"/>
+                <a16:creationId xmlns:a16="http://schemas.microsoft.com/office/drawing/2014/main" id="{E8075E33-8490-5371-2E25-B916BB953098}"/>
               </a:ext>
             </a:extLst>
           </p:cNvPr>
@@ -488,7 +488,7 @@
           <p:cNvPr id="6" name="灯片编号占位符 5">
             <a:extLst>
               <a:ext uri="{FF2B5EF4-FFF2-40B4-BE49-F238E27FC236}">
-                <a16:creationId xmlns:a16="http://schemas.microsoft.com/office/drawing/2014/main" id="{F8A6C636-35E7-6137-4FDA-7EA748FE353C}"/>
+                <a16:creationId xmlns:a16="http://schemas.microsoft.com/office/drawing/2014/main" id="{E5FDC6FE-7DB6-B685-F9E2-B360BA534763}"/>
               </a:ext>
             </a:extLst>
           </p:cNvPr>
@@ -504,7 +504,7 @@
           <a:bodyPr/>
           <a:lstStyle/>
           <a:p>
-            <a:fld id="{8DB203CA-B80D-4117-A617-953BB75C88C5}" type="slidenum">
+            <a:fld id="{46F45A6E-4EC5-46D9-A1F7-6C050CB42130}" type="slidenum">
               <a:rPr lang="zh-CN" altLang="en-US" smtClean="0"/>
               <a:t>‹#›</a:t>
             </a:fld>
@@ -515,7 +515,7 @@
     </p:spTree>
     <p:extLst>
       <p:ext uri="{BB962C8B-B14F-4D97-AF65-F5344CB8AC3E}">
-        <p14:creationId xmlns:p14="http://schemas.microsoft.com/office/powerpoint/2010/main" val="3651703895"/>
+        <p14:creationId xmlns:p14="http://schemas.microsoft.com/office/powerpoint/2010/main" val="259354437"/>
       </p:ext>
     </p:extLst>
   </p:cSld>
@@ -547,7 +547,7 @@
           <p:cNvPr id="2" name="竖排标题 1">
             <a:extLst>
               <a:ext uri="{FF2B5EF4-FFF2-40B4-BE49-F238E27FC236}">
-                <a16:creationId xmlns:a16="http://schemas.microsoft.com/office/drawing/2014/main" id="{4BD5271E-973B-89D5-9702-97377C1CC735}"/>
+                <a16:creationId xmlns:a16="http://schemas.microsoft.com/office/drawing/2014/main" id="{54E29F3C-4F0C-A70E-73A7-8252AD72128B}"/>
               </a:ext>
             </a:extLst>
           </p:cNvPr>
@@ -580,7 +580,7 @@
           <p:cNvPr id="3" name="竖排文字占位符 2">
             <a:extLst>
               <a:ext uri="{FF2B5EF4-FFF2-40B4-BE49-F238E27FC236}">
-                <a16:creationId xmlns:a16="http://schemas.microsoft.com/office/drawing/2014/main" id="{6F11EC16-695F-A5E7-D268-84B0AFFC0AD2}"/>
+                <a16:creationId xmlns:a16="http://schemas.microsoft.com/office/drawing/2014/main" id="{18210B85-BD02-3242-C009-CC4F67B72A9A}"/>
               </a:ext>
             </a:extLst>
           </p:cNvPr>
@@ -642,7 +642,7 @@
           <p:cNvPr id="4" name="日期占位符 3">
             <a:extLst>
               <a:ext uri="{FF2B5EF4-FFF2-40B4-BE49-F238E27FC236}">
-                <a16:creationId xmlns:a16="http://schemas.microsoft.com/office/drawing/2014/main" id="{DEAA1118-5703-B755-23D1-D60219365BCC}"/>
+                <a16:creationId xmlns:a16="http://schemas.microsoft.com/office/drawing/2014/main" id="{0C8ED74B-89C5-1898-6B85-F4537D933162}"/>
               </a:ext>
             </a:extLst>
           </p:cNvPr>
@@ -658,7 +658,7 @@
           <a:bodyPr/>
           <a:lstStyle/>
           <a:p>
-            <a:fld id="{2178ED1A-B299-4602-A9B1-FA356DBC877B}" type="datetimeFigureOut">
+            <a:fld id="{CDDD32A1-FA56-431C-AACA-78B900DE0D31}" type="datetimeFigureOut">
               <a:rPr lang="zh-CN" altLang="en-US" smtClean="0"/>
               <a:t>2024/3/10</a:t>
             </a:fld>
@@ -671,7 +671,7 @@
           <p:cNvPr id="5" name="页脚占位符 4">
             <a:extLst>
               <a:ext uri="{FF2B5EF4-FFF2-40B4-BE49-F238E27FC236}">
-                <a16:creationId xmlns:a16="http://schemas.microsoft.com/office/drawing/2014/main" id="{971AA72D-AFEE-653B-3263-83AAFD5B8C0C}"/>
+                <a16:creationId xmlns:a16="http://schemas.microsoft.com/office/drawing/2014/main" id="{9A962224-D43E-F6C9-867B-02CE5B671869}"/>
               </a:ext>
             </a:extLst>
           </p:cNvPr>
@@ -696,7 +696,7 @@
           <p:cNvPr id="6" name="灯片编号占位符 5">
             <a:extLst>
               <a:ext uri="{FF2B5EF4-FFF2-40B4-BE49-F238E27FC236}">
-                <a16:creationId xmlns:a16="http://schemas.microsoft.com/office/drawing/2014/main" id="{C5C13CC3-8E2E-65EF-B1C7-7BE59B58829E}"/>
+                <a16:creationId xmlns:a16="http://schemas.microsoft.com/office/drawing/2014/main" id="{B2199064-0DE2-6148-D16F-770FF21BB314}"/>
               </a:ext>
             </a:extLst>
           </p:cNvPr>
@@ -712,7 +712,7 @@
           <a:bodyPr/>
           <a:lstStyle/>
           <a:p>
-            <a:fld id="{8DB203CA-B80D-4117-A617-953BB75C88C5}" type="slidenum">
+            <a:fld id="{46F45A6E-4EC5-46D9-A1F7-6C050CB42130}" type="slidenum">
               <a:rPr lang="zh-CN" altLang="en-US" smtClean="0"/>
               <a:t>‹#›</a:t>
             </a:fld>
@@ -723,7 +723,7 @@
     </p:spTree>
     <p:extLst>
       <p:ext uri="{BB962C8B-B14F-4D97-AF65-F5344CB8AC3E}">
-        <p14:creationId xmlns:p14="http://schemas.microsoft.com/office/powerpoint/2010/main" val="1729145305"/>
+        <p14:creationId xmlns:p14="http://schemas.microsoft.com/office/powerpoint/2010/main" val="3654101383"/>
       </p:ext>
     </p:extLst>
   </p:cSld>
@@ -755,7 +755,7 @@
           <p:cNvPr id="2" name="标题 1">
             <a:extLst>
               <a:ext uri="{FF2B5EF4-FFF2-40B4-BE49-F238E27FC236}">
-                <a16:creationId xmlns:a16="http://schemas.microsoft.com/office/drawing/2014/main" id="{C77D0B92-22BE-F726-C7C3-2797ABA379CB}"/>
+                <a16:creationId xmlns:a16="http://schemas.microsoft.com/office/drawing/2014/main" id="{F54FC791-D428-01B5-9BD5-1B65323C2DC4}"/>
               </a:ext>
             </a:extLst>
           </p:cNvPr>
@@ -783,7 +783,7 @@
           <p:cNvPr id="3" name="内容占位符 2">
             <a:extLst>
               <a:ext uri="{FF2B5EF4-FFF2-40B4-BE49-F238E27FC236}">
-                <a16:creationId xmlns:a16="http://schemas.microsoft.com/office/drawing/2014/main" id="{C4C3A25C-FC91-69DC-959E-03853C08E1CF}"/>
+                <a16:creationId xmlns:a16="http://schemas.microsoft.com/office/drawing/2014/main" id="{C198D559-DDDA-C19A-3038-506098DBA50A}"/>
               </a:ext>
             </a:extLst>
           </p:cNvPr>
@@ -840,7 +840,7 @@
           <p:cNvPr id="4" name="日期占位符 3">
             <a:extLst>
               <a:ext uri="{FF2B5EF4-FFF2-40B4-BE49-F238E27FC236}">
-                <a16:creationId xmlns:a16="http://schemas.microsoft.com/office/drawing/2014/main" id="{B832EBA0-D216-54CA-25DF-9858BB8F8F06}"/>
+                <a16:creationId xmlns:a16="http://schemas.microsoft.com/office/drawing/2014/main" id="{53F5BCAF-3508-DDAD-B9AF-341B447CF705}"/>
               </a:ext>
             </a:extLst>
           </p:cNvPr>
@@ -856,7 +856,7 @@
           <a:bodyPr/>
           <a:lstStyle/>
           <a:p>
-            <a:fld id="{2178ED1A-B299-4602-A9B1-FA356DBC877B}" type="datetimeFigureOut">
+            <a:fld id="{CDDD32A1-FA56-431C-AACA-78B900DE0D31}" type="datetimeFigureOut">
               <a:rPr lang="zh-CN" altLang="en-US" smtClean="0"/>
               <a:t>2024/3/10</a:t>
             </a:fld>
@@ -869,7 +869,7 @@
           <p:cNvPr id="5" name="页脚占位符 4">
             <a:extLst>
               <a:ext uri="{FF2B5EF4-FFF2-40B4-BE49-F238E27FC236}">
-                <a16:creationId xmlns:a16="http://schemas.microsoft.com/office/drawing/2014/main" id="{5EAAAD22-6B9F-DDC1-3901-18118499D212}"/>
+                <a16:creationId xmlns:a16="http://schemas.microsoft.com/office/drawing/2014/main" id="{4D21BA30-B701-D8DE-ADBE-11A7F2E48BE9}"/>
               </a:ext>
             </a:extLst>
           </p:cNvPr>
@@ -894,7 +894,7 @@
           <p:cNvPr id="6" name="灯片编号占位符 5">
             <a:extLst>
               <a:ext uri="{FF2B5EF4-FFF2-40B4-BE49-F238E27FC236}">
-                <a16:creationId xmlns:a16="http://schemas.microsoft.com/office/drawing/2014/main" id="{13F97711-718F-237B-9CBE-EFF1450F14EF}"/>
+                <a16:creationId xmlns:a16="http://schemas.microsoft.com/office/drawing/2014/main" id="{3142E648-AF38-FB2B-F6F8-1C82E1D374AF}"/>
               </a:ext>
             </a:extLst>
           </p:cNvPr>
@@ -910,7 +910,7 @@
           <a:bodyPr/>
           <a:lstStyle/>
           <a:p>
-            <a:fld id="{8DB203CA-B80D-4117-A617-953BB75C88C5}" type="slidenum">
+            <a:fld id="{46F45A6E-4EC5-46D9-A1F7-6C050CB42130}" type="slidenum">
               <a:rPr lang="zh-CN" altLang="en-US" smtClean="0"/>
               <a:t>‹#›</a:t>
             </a:fld>
@@ -921,7 +921,7 @@
     </p:spTree>
     <p:extLst>
       <p:ext uri="{BB962C8B-B14F-4D97-AF65-F5344CB8AC3E}">
-        <p14:creationId xmlns:p14="http://schemas.microsoft.com/office/powerpoint/2010/main" val="4120641845"/>
+        <p14:creationId xmlns:p14="http://schemas.microsoft.com/office/powerpoint/2010/main" val="3081543448"/>
       </p:ext>
     </p:extLst>
   </p:cSld>
@@ -953,7 +953,7 @@
           <p:cNvPr id="2" name="标题 1">
             <a:extLst>
               <a:ext uri="{FF2B5EF4-FFF2-40B4-BE49-F238E27FC236}">
-                <a16:creationId xmlns:a16="http://schemas.microsoft.com/office/drawing/2014/main" id="{A1EE1C30-5769-C8E0-26CE-40A383751F2C}"/>
+                <a16:creationId xmlns:a16="http://schemas.microsoft.com/office/drawing/2014/main" id="{53073F2E-CCE5-8919-3FB3-B017B93A611E}"/>
               </a:ext>
             </a:extLst>
           </p:cNvPr>
@@ -990,7 +990,7 @@
           <p:cNvPr id="3" name="文本占位符 2">
             <a:extLst>
               <a:ext uri="{FF2B5EF4-FFF2-40B4-BE49-F238E27FC236}">
-                <a16:creationId xmlns:a16="http://schemas.microsoft.com/office/drawing/2014/main" id="{E0201805-03DE-5479-D620-D0B4AA3E91A6}"/>
+                <a16:creationId xmlns:a16="http://schemas.microsoft.com/office/drawing/2014/main" id="{5EA9BC19-72F2-1F4E-5FDD-B346F3E7E407}"/>
               </a:ext>
             </a:extLst>
           </p:cNvPr>
@@ -1115,7 +1115,7 @@
           <p:cNvPr id="4" name="日期占位符 3">
             <a:extLst>
               <a:ext uri="{FF2B5EF4-FFF2-40B4-BE49-F238E27FC236}">
-                <a16:creationId xmlns:a16="http://schemas.microsoft.com/office/drawing/2014/main" id="{3EC88737-03E8-F2EC-31BB-CE68B41D8CBA}"/>
+                <a16:creationId xmlns:a16="http://schemas.microsoft.com/office/drawing/2014/main" id="{B132A14F-6717-0D46-F83A-45893A1D6D93}"/>
               </a:ext>
             </a:extLst>
           </p:cNvPr>
@@ -1131,7 +1131,7 @@
           <a:bodyPr/>
           <a:lstStyle/>
           <a:p>
-            <a:fld id="{2178ED1A-B299-4602-A9B1-FA356DBC877B}" type="datetimeFigureOut">
+            <a:fld id="{CDDD32A1-FA56-431C-AACA-78B900DE0D31}" type="datetimeFigureOut">
               <a:rPr lang="zh-CN" altLang="en-US" smtClean="0"/>
               <a:t>2024/3/10</a:t>
             </a:fld>
@@ -1144,7 +1144,7 @@
           <p:cNvPr id="5" name="页脚占位符 4">
             <a:extLst>
               <a:ext uri="{FF2B5EF4-FFF2-40B4-BE49-F238E27FC236}">
-                <a16:creationId xmlns:a16="http://schemas.microsoft.com/office/drawing/2014/main" id="{E0D08242-5FC0-44AC-DECC-14C3D5096485}"/>
+                <a16:creationId xmlns:a16="http://schemas.microsoft.com/office/drawing/2014/main" id="{CE0BFEDC-3593-BC44-446D-05A54612E639}"/>
               </a:ext>
             </a:extLst>
           </p:cNvPr>
@@ -1169,7 +1169,7 @@
           <p:cNvPr id="6" name="灯片编号占位符 5">
             <a:extLst>
               <a:ext uri="{FF2B5EF4-FFF2-40B4-BE49-F238E27FC236}">
-                <a16:creationId xmlns:a16="http://schemas.microsoft.com/office/drawing/2014/main" id="{D05986A9-31F9-D151-742C-050D0BE37ED6}"/>
+                <a16:creationId xmlns:a16="http://schemas.microsoft.com/office/drawing/2014/main" id="{B993D1B4-F7DB-C7BD-87D1-8BDDB25026D7}"/>
               </a:ext>
             </a:extLst>
           </p:cNvPr>
@@ -1185,7 +1185,7 @@
           <a:bodyPr/>
           <a:lstStyle/>
           <a:p>
-            <a:fld id="{8DB203CA-B80D-4117-A617-953BB75C88C5}" type="slidenum">
+            <a:fld id="{46F45A6E-4EC5-46D9-A1F7-6C050CB42130}" type="slidenum">
               <a:rPr lang="zh-CN" altLang="en-US" smtClean="0"/>
               <a:t>‹#›</a:t>
             </a:fld>
@@ -1196,7 +1196,7 @@
     </p:spTree>
     <p:extLst>
       <p:ext uri="{BB962C8B-B14F-4D97-AF65-F5344CB8AC3E}">
-        <p14:creationId xmlns:p14="http://schemas.microsoft.com/office/powerpoint/2010/main" val="3447908596"/>
+        <p14:creationId xmlns:p14="http://schemas.microsoft.com/office/powerpoint/2010/main" val="619326716"/>
       </p:ext>
     </p:extLst>
   </p:cSld>
@@ -1228,7 +1228,7 @@
           <p:cNvPr id="2" name="标题 1">
             <a:extLst>
               <a:ext uri="{FF2B5EF4-FFF2-40B4-BE49-F238E27FC236}">
-                <a16:creationId xmlns:a16="http://schemas.microsoft.com/office/drawing/2014/main" id="{2FDF5576-FA2C-D443-AA76-AC40934CE652}"/>
+                <a16:creationId xmlns:a16="http://schemas.microsoft.com/office/drawing/2014/main" id="{77A1D6C7-BA0A-9BF3-0AB6-85F4C61FADF0}"/>
               </a:ext>
             </a:extLst>
           </p:cNvPr>
@@ -1256,7 +1256,7 @@
           <p:cNvPr id="3" name="内容占位符 2">
             <a:extLst>
               <a:ext uri="{FF2B5EF4-FFF2-40B4-BE49-F238E27FC236}">
-                <a16:creationId xmlns:a16="http://schemas.microsoft.com/office/drawing/2014/main" id="{185FDB7D-D334-7855-3EEC-733CF21C2FE4}"/>
+                <a16:creationId xmlns:a16="http://schemas.microsoft.com/office/drawing/2014/main" id="{539BAB58-8C59-49FD-0B12-3640F4B7207F}"/>
               </a:ext>
             </a:extLst>
           </p:cNvPr>
@@ -1318,7 +1318,7 @@
           <p:cNvPr id="4" name="内容占位符 3">
             <a:extLst>
               <a:ext uri="{FF2B5EF4-FFF2-40B4-BE49-F238E27FC236}">
-                <a16:creationId xmlns:a16="http://schemas.microsoft.com/office/drawing/2014/main" id="{CA4BE2B6-A82B-2D1D-C07A-0B8C4EDD0CEF}"/>
+                <a16:creationId xmlns:a16="http://schemas.microsoft.com/office/drawing/2014/main" id="{C8D7EAE1-F947-191B-A68D-EBE1CBD816BB}"/>
               </a:ext>
             </a:extLst>
           </p:cNvPr>
@@ -1380,7 +1380,7 @@
           <p:cNvPr id="5" name="日期占位符 4">
             <a:extLst>
               <a:ext uri="{FF2B5EF4-FFF2-40B4-BE49-F238E27FC236}">
-                <a16:creationId xmlns:a16="http://schemas.microsoft.com/office/drawing/2014/main" id="{13D2DE32-4538-DF83-31DF-3EA46EE85AC3}"/>
+                <a16:creationId xmlns:a16="http://schemas.microsoft.com/office/drawing/2014/main" id="{65C3DCB8-357E-4505-E99C-41B4E0FA4FC4}"/>
               </a:ext>
             </a:extLst>
           </p:cNvPr>
@@ -1396,7 +1396,7 @@
           <a:bodyPr/>
           <a:lstStyle/>
           <a:p>
-            <a:fld id="{2178ED1A-B299-4602-A9B1-FA356DBC877B}" type="datetimeFigureOut">
+            <a:fld id="{CDDD32A1-FA56-431C-AACA-78B900DE0D31}" type="datetimeFigureOut">
               <a:rPr lang="zh-CN" altLang="en-US" smtClean="0"/>
               <a:t>2024/3/10</a:t>
             </a:fld>
@@ -1409,7 +1409,7 @@
           <p:cNvPr id="6" name="页脚占位符 5">
             <a:extLst>
               <a:ext uri="{FF2B5EF4-FFF2-40B4-BE49-F238E27FC236}">
-                <a16:creationId xmlns:a16="http://schemas.microsoft.com/office/drawing/2014/main" id="{FDAEF113-99E4-9CE6-71F0-96291D71BCA6}"/>
+                <a16:creationId xmlns:a16="http://schemas.microsoft.com/office/drawing/2014/main" id="{6F3B8DBA-6672-4F90-235D-90355CF22DA2}"/>
               </a:ext>
             </a:extLst>
           </p:cNvPr>
@@ -1434,7 +1434,7 @@
           <p:cNvPr id="7" name="灯片编号占位符 6">
             <a:extLst>
               <a:ext uri="{FF2B5EF4-FFF2-40B4-BE49-F238E27FC236}">
-                <a16:creationId xmlns:a16="http://schemas.microsoft.com/office/drawing/2014/main" id="{0C0F45E9-1AD9-A3C8-F5FA-048C4CA121C9}"/>
+                <a16:creationId xmlns:a16="http://schemas.microsoft.com/office/drawing/2014/main" id="{9D2F4151-5AA2-C2CD-2F66-C6A9F4B978C5}"/>
               </a:ext>
             </a:extLst>
           </p:cNvPr>
@@ -1450,7 +1450,7 @@
           <a:bodyPr/>
           <a:lstStyle/>
           <a:p>
-            <a:fld id="{8DB203CA-B80D-4117-A617-953BB75C88C5}" type="slidenum">
+            <a:fld id="{46F45A6E-4EC5-46D9-A1F7-6C050CB42130}" type="slidenum">
               <a:rPr lang="zh-CN" altLang="en-US" smtClean="0"/>
               <a:t>‹#›</a:t>
             </a:fld>
@@ -1461,7 +1461,7 @@
     </p:spTree>
     <p:extLst>
       <p:ext uri="{BB962C8B-B14F-4D97-AF65-F5344CB8AC3E}">
-        <p14:creationId xmlns:p14="http://schemas.microsoft.com/office/powerpoint/2010/main" val="3750490396"/>
+        <p14:creationId xmlns:p14="http://schemas.microsoft.com/office/powerpoint/2010/main" val="2910031166"/>
       </p:ext>
     </p:extLst>
   </p:cSld>
@@ -1493,7 +1493,7 @@
           <p:cNvPr id="2" name="标题 1">
             <a:extLst>
               <a:ext uri="{FF2B5EF4-FFF2-40B4-BE49-F238E27FC236}">
-                <a16:creationId xmlns:a16="http://schemas.microsoft.com/office/drawing/2014/main" id="{0EB9B2B2-106F-8938-FFEA-93F3A14FEC1B}"/>
+                <a16:creationId xmlns:a16="http://schemas.microsoft.com/office/drawing/2014/main" id="{73E7BE63-98BE-6D60-87DA-92C20A80F17E}"/>
               </a:ext>
             </a:extLst>
           </p:cNvPr>
@@ -1526,7 +1526,7 @@
           <p:cNvPr id="3" name="文本占位符 2">
             <a:extLst>
               <a:ext uri="{FF2B5EF4-FFF2-40B4-BE49-F238E27FC236}">
-                <a16:creationId xmlns:a16="http://schemas.microsoft.com/office/drawing/2014/main" id="{20CF07AE-9FFA-D559-5F2E-B8642E8F356B}"/>
+                <a16:creationId xmlns:a16="http://schemas.microsoft.com/office/drawing/2014/main" id="{7F66AEBA-E783-7F21-96A5-7A4EABEF8940}"/>
               </a:ext>
             </a:extLst>
           </p:cNvPr>
@@ -1597,7 +1597,7 @@
           <p:cNvPr id="4" name="内容占位符 3">
             <a:extLst>
               <a:ext uri="{FF2B5EF4-FFF2-40B4-BE49-F238E27FC236}">
-                <a16:creationId xmlns:a16="http://schemas.microsoft.com/office/drawing/2014/main" id="{7709B61F-8833-C540-229B-E6D44CC7ECB8}"/>
+                <a16:creationId xmlns:a16="http://schemas.microsoft.com/office/drawing/2014/main" id="{91DEAA31-BA91-3287-1AAB-77A75F36DC01}"/>
               </a:ext>
             </a:extLst>
           </p:cNvPr>
@@ -1659,7 +1659,7 @@
           <p:cNvPr id="5" name="文本占位符 4">
             <a:extLst>
               <a:ext uri="{FF2B5EF4-FFF2-40B4-BE49-F238E27FC236}">
-                <a16:creationId xmlns:a16="http://schemas.microsoft.com/office/drawing/2014/main" id="{540E5722-082C-1C40-FF1E-8FCAE552DD15}"/>
+                <a16:creationId xmlns:a16="http://schemas.microsoft.com/office/drawing/2014/main" id="{2A384235-03A7-43F6-D3AF-C644DF8F4104}"/>
               </a:ext>
             </a:extLst>
           </p:cNvPr>
@@ -1730,7 +1730,7 @@
           <p:cNvPr id="6" name="内容占位符 5">
             <a:extLst>
               <a:ext uri="{FF2B5EF4-FFF2-40B4-BE49-F238E27FC236}">
-                <a16:creationId xmlns:a16="http://schemas.microsoft.com/office/drawing/2014/main" id="{193C4091-173F-8081-15C8-041A26678A56}"/>
+                <a16:creationId xmlns:a16="http://schemas.microsoft.com/office/drawing/2014/main" id="{595087B1-36D3-A964-40FE-DBE2A3F81ACE}"/>
               </a:ext>
             </a:extLst>
           </p:cNvPr>
@@ -1792,7 +1792,7 @@
           <p:cNvPr id="7" name="日期占位符 6">
             <a:extLst>
               <a:ext uri="{FF2B5EF4-FFF2-40B4-BE49-F238E27FC236}">
-                <a16:creationId xmlns:a16="http://schemas.microsoft.com/office/drawing/2014/main" id="{5B3948C6-004A-B8BE-DF65-31B997A3182E}"/>
+                <a16:creationId xmlns:a16="http://schemas.microsoft.com/office/drawing/2014/main" id="{F21AF8E5-E6CB-87B1-8529-B84EDCCC48B1}"/>
               </a:ext>
             </a:extLst>
           </p:cNvPr>
@@ -1808,7 +1808,7 @@
           <a:bodyPr/>
           <a:lstStyle/>
           <a:p>
-            <a:fld id="{2178ED1A-B299-4602-A9B1-FA356DBC877B}" type="datetimeFigureOut">
+            <a:fld id="{CDDD32A1-FA56-431C-AACA-78B900DE0D31}" type="datetimeFigureOut">
               <a:rPr lang="zh-CN" altLang="en-US" smtClean="0"/>
               <a:t>2024/3/10</a:t>
             </a:fld>
@@ -1821,7 +1821,7 @@
           <p:cNvPr id="8" name="页脚占位符 7">
             <a:extLst>
               <a:ext uri="{FF2B5EF4-FFF2-40B4-BE49-F238E27FC236}">
-                <a16:creationId xmlns:a16="http://schemas.microsoft.com/office/drawing/2014/main" id="{79DB4A67-75B4-05F7-52E5-731FFFFC0579}"/>
+                <a16:creationId xmlns:a16="http://schemas.microsoft.com/office/drawing/2014/main" id="{66AF6C67-C5C4-82B3-ABDE-A7A2417E629D}"/>
               </a:ext>
             </a:extLst>
           </p:cNvPr>
@@ -1846,7 +1846,7 @@
           <p:cNvPr id="9" name="灯片编号占位符 8">
             <a:extLst>
               <a:ext uri="{FF2B5EF4-FFF2-40B4-BE49-F238E27FC236}">
-                <a16:creationId xmlns:a16="http://schemas.microsoft.com/office/drawing/2014/main" id="{7DDAE652-205F-3485-0AE5-54DEC52A9FC8}"/>
+                <a16:creationId xmlns:a16="http://schemas.microsoft.com/office/drawing/2014/main" id="{1DD133BB-9B00-FB1F-C02B-019BB10AF10A}"/>
               </a:ext>
             </a:extLst>
           </p:cNvPr>
@@ -1862,7 +1862,7 @@
           <a:bodyPr/>
           <a:lstStyle/>
           <a:p>
-            <a:fld id="{8DB203CA-B80D-4117-A617-953BB75C88C5}" type="slidenum">
+            <a:fld id="{46F45A6E-4EC5-46D9-A1F7-6C050CB42130}" type="slidenum">
               <a:rPr lang="zh-CN" altLang="en-US" smtClean="0"/>
               <a:t>‹#›</a:t>
             </a:fld>
@@ -1873,7 +1873,7 @@
     </p:spTree>
     <p:extLst>
       <p:ext uri="{BB962C8B-B14F-4D97-AF65-F5344CB8AC3E}">
-        <p14:creationId xmlns:p14="http://schemas.microsoft.com/office/powerpoint/2010/main" val="1769181443"/>
+        <p14:creationId xmlns:p14="http://schemas.microsoft.com/office/powerpoint/2010/main" val="4008956168"/>
       </p:ext>
     </p:extLst>
   </p:cSld>
@@ -1905,7 +1905,7 @@
           <p:cNvPr id="2" name="标题 1">
             <a:extLst>
               <a:ext uri="{FF2B5EF4-FFF2-40B4-BE49-F238E27FC236}">
-                <a16:creationId xmlns:a16="http://schemas.microsoft.com/office/drawing/2014/main" id="{2958911C-9454-E1DC-4905-15C3139C4699}"/>
+                <a16:creationId xmlns:a16="http://schemas.microsoft.com/office/drawing/2014/main" id="{3DFF0C5E-56D6-7B20-58D2-45C3296920D8}"/>
               </a:ext>
             </a:extLst>
           </p:cNvPr>
@@ -1933,7 +1933,7 @@
           <p:cNvPr id="3" name="日期占位符 2">
             <a:extLst>
               <a:ext uri="{FF2B5EF4-FFF2-40B4-BE49-F238E27FC236}">
-                <a16:creationId xmlns:a16="http://schemas.microsoft.com/office/drawing/2014/main" id="{BF9CB895-AB1E-AC93-F109-9A35585BFABA}"/>
+                <a16:creationId xmlns:a16="http://schemas.microsoft.com/office/drawing/2014/main" id="{F1FD8D61-F06D-CA1B-B4FC-23BC620118A7}"/>
               </a:ext>
             </a:extLst>
           </p:cNvPr>
@@ -1949,7 +1949,7 @@
           <a:bodyPr/>
           <a:lstStyle/>
           <a:p>
-            <a:fld id="{2178ED1A-B299-4602-A9B1-FA356DBC877B}" type="datetimeFigureOut">
+            <a:fld id="{CDDD32A1-FA56-431C-AACA-78B900DE0D31}" type="datetimeFigureOut">
               <a:rPr lang="zh-CN" altLang="en-US" smtClean="0"/>
               <a:t>2024/3/10</a:t>
             </a:fld>
@@ -1962,7 +1962,7 @@
           <p:cNvPr id="4" name="页脚占位符 3">
             <a:extLst>
               <a:ext uri="{FF2B5EF4-FFF2-40B4-BE49-F238E27FC236}">
-                <a16:creationId xmlns:a16="http://schemas.microsoft.com/office/drawing/2014/main" id="{93350B42-84D1-511F-83D7-321BB3F609FD}"/>
+                <a16:creationId xmlns:a16="http://schemas.microsoft.com/office/drawing/2014/main" id="{EFAF389B-2C53-3EB2-B98A-76E7C26CAC35}"/>
               </a:ext>
             </a:extLst>
           </p:cNvPr>
@@ -1987,7 +1987,7 @@
           <p:cNvPr id="5" name="灯片编号占位符 4">
             <a:extLst>
               <a:ext uri="{FF2B5EF4-FFF2-40B4-BE49-F238E27FC236}">
-                <a16:creationId xmlns:a16="http://schemas.microsoft.com/office/drawing/2014/main" id="{00EBEBEA-F59B-18F5-6C6E-BD04635322D3}"/>
+                <a16:creationId xmlns:a16="http://schemas.microsoft.com/office/drawing/2014/main" id="{D3877E2A-C42B-E858-1803-053B031F275A}"/>
               </a:ext>
             </a:extLst>
           </p:cNvPr>
@@ -2003,7 +2003,7 @@
           <a:bodyPr/>
           <a:lstStyle/>
           <a:p>
-            <a:fld id="{8DB203CA-B80D-4117-A617-953BB75C88C5}" type="slidenum">
+            <a:fld id="{46F45A6E-4EC5-46D9-A1F7-6C050CB42130}" type="slidenum">
               <a:rPr lang="zh-CN" altLang="en-US" smtClean="0"/>
               <a:t>‹#›</a:t>
             </a:fld>
@@ -2014,7 +2014,7 @@
     </p:spTree>
     <p:extLst>
       <p:ext uri="{BB962C8B-B14F-4D97-AF65-F5344CB8AC3E}">
-        <p14:creationId xmlns:p14="http://schemas.microsoft.com/office/powerpoint/2010/main" val="1174430886"/>
+        <p14:creationId xmlns:p14="http://schemas.microsoft.com/office/powerpoint/2010/main" val="4041230185"/>
       </p:ext>
     </p:extLst>
   </p:cSld>
@@ -2046,7 +2046,7 @@
           <p:cNvPr id="2" name="日期占位符 1">
             <a:extLst>
               <a:ext uri="{FF2B5EF4-FFF2-40B4-BE49-F238E27FC236}">
-                <a16:creationId xmlns:a16="http://schemas.microsoft.com/office/drawing/2014/main" id="{AC212092-1003-FF23-22A2-A741AD0230F2}"/>
+                <a16:creationId xmlns:a16="http://schemas.microsoft.com/office/drawing/2014/main" id="{18EC4032-9238-3A06-E73C-F4FFA5110D8B}"/>
               </a:ext>
             </a:extLst>
           </p:cNvPr>
@@ -2062,7 +2062,7 @@
           <a:bodyPr/>
           <a:lstStyle/>
           <a:p>
-            <a:fld id="{2178ED1A-B299-4602-A9B1-FA356DBC877B}" type="datetimeFigureOut">
+            <a:fld id="{CDDD32A1-FA56-431C-AACA-78B900DE0D31}" type="datetimeFigureOut">
               <a:rPr lang="zh-CN" altLang="en-US" smtClean="0"/>
               <a:t>2024/3/10</a:t>
             </a:fld>
@@ -2075,7 +2075,7 @@
           <p:cNvPr id="3" name="页脚占位符 2">
             <a:extLst>
               <a:ext uri="{FF2B5EF4-FFF2-40B4-BE49-F238E27FC236}">
-                <a16:creationId xmlns:a16="http://schemas.microsoft.com/office/drawing/2014/main" id="{2E3A762F-F900-0852-5AC1-2A2F43AE79FD}"/>
+                <a16:creationId xmlns:a16="http://schemas.microsoft.com/office/drawing/2014/main" id="{FA987B45-15A4-24C3-05D1-F520E5B5A070}"/>
               </a:ext>
             </a:extLst>
           </p:cNvPr>
@@ -2100,7 +2100,7 @@
           <p:cNvPr id="4" name="灯片编号占位符 3">
             <a:extLst>
               <a:ext uri="{FF2B5EF4-FFF2-40B4-BE49-F238E27FC236}">
-                <a16:creationId xmlns:a16="http://schemas.microsoft.com/office/drawing/2014/main" id="{9820096A-8A41-0669-E3FA-C149B00A77D5}"/>
+                <a16:creationId xmlns:a16="http://schemas.microsoft.com/office/drawing/2014/main" id="{060CEE93-2147-5658-6DF1-21A587E47023}"/>
               </a:ext>
             </a:extLst>
           </p:cNvPr>
@@ -2116,7 +2116,7 @@
           <a:bodyPr/>
           <a:lstStyle/>
           <a:p>
-            <a:fld id="{8DB203CA-B80D-4117-A617-953BB75C88C5}" type="slidenum">
+            <a:fld id="{46F45A6E-4EC5-46D9-A1F7-6C050CB42130}" type="slidenum">
               <a:rPr lang="zh-CN" altLang="en-US" smtClean="0"/>
               <a:t>‹#›</a:t>
             </a:fld>
@@ -2127,7 +2127,7 @@
     </p:spTree>
     <p:extLst>
       <p:ext uri="{BB962C8B-B14F-4D97-AF65-F5344CB8AC3E}">
-        <p14:creationId xmlns:p14="http://schemas.microsoft.com/office/powerpoint/2010/main" val="3587927486"/>
+        <p14:creationId xmlns:p14="http://schemas.microsoft.com/office/powerpoint/2010/main" val="3828420712"/>
       </p:ext>
     </p:extLst>
   </p:cSld>
@@ -2159,7 +2159,7 @@
           <p:cNvPr id="2" name="标题 1">
             <a:extLst>
               <a:ext uri="{FF2B5EF4-FFF2-40B4-BE49-F238E27FC236}">
-                <a16:creationId xmlns:a16="http://schemas.microsoft.com/office/drawing/2014/main" id="{63375A05-B65D-81D4-4461-ACF489D92E53}"/>
+                <a16:creationId xmlns:a16="http://schemas.microsoft.com/office/drawing/2014/main" id="{E631943C-7402-795D-5143-4B830B7BFEA9}"/>
               </a:ext>
             </a:extLst>
           </p:cNvPr>
@@ -2196,7 +2196,7 @@
           <p:cNvPr id="3" name="内容占位符 2">
             <a:extLst>
               <a:ext uri="{FF2B5EF4-FFF2-40B4-BE49-F238E27FC236}">
-                <a16:creationId xmlns:a16="http://schemas.microsoft.com/office/drawing/2014/main" id="{32D7B461-4303-BF36-CEA0-EA0ED62536E8}"/>
+                <a16:creationId xmlns:a16="http://schemas.microsoft.com/office/drawing/2014/main" id="{728C832A-F7DC-3365-C770-028DE04C35B9}"/>
               </a:ext>
             </a:extLst>
           </p:cNvPr>
@@ -2286,7 +2286,7 @@
           <p:cNvPr id="4" name="文本占位符 3">
             <a:extLst>
               <a:ext uri="{FF2B5EF4-FFF2-40B4-BE49-F238E27FC236}">
-                <a16:creationId xmlns:a16="http://schemas.microsoft.com/office/drawing/2014/main" id="{9F8BB6A1-D682-70BA-6221-3D2DE44BEEAD}"/>
+                <a16:creationId xmlns:a16="http://schemas.microsoft.com/office/drawing/2014/main" id="{811ECA8C-5DBD-B62A-61E3-474454CA9422}"/>
               </a:ext>
             </a:extLst>
           </p:cNvPr>
@@ -2357,7 +2357,7 @@
           <p:cNvPr id="5" name="日期占位符 4">
             <a:extLst>
               <a:ext uri="{FF2B5EF4-FFF2-40B4-BE49-F238E27FC236}">
-                <a16:creationId xmlns:a16="http://schemas.microsoft.com/office/drawing/2014/main" id="{756AD28A-34F8-79CC-4E03-B0E9D25203B0}"/>
+                <a16:creationId xmlns:a16="http://schemas.microsoft.com/office/drawing/2014/main" id="{5C3EBF32-C46D-73E9-EC04-21E8C6CC6080}"/>
               </a:ext>
             </a:extLst>
           </p:cNvPr>
@@ -2373,7 +2373,7 @@
           <a:bodyPr/>
           <a:lstStyle/>
           <a:p>
-            <a:fld id="{2178ED1A-B299-4602-A9B1-FA356DBC877B}" type="datetimeFigureOut">
+            <a:fld id="{CDDD32A1-FA56-431C-AACA-78B900DE0D31}" type="datetimeFigureOut">
               <a:rPr lang="zh-CN" altLang="en-US" smtClean="0"/>
               <a:t>2024/3/10</a:t>
             </a:fld>
@@ -2386,7 +2386,7 @@
           <p:cNvPr id="6" name="页脚占位符 5">
             <a:extLst>
               <a:ext uri="{FF2B5EF4-FFF2-40B4-BE49-F238E27FC236}">
-                <a16:creationId xmlns:a16="http://schemas.microsoft.com/office/drawing/2014/main" id="{A1D25F09-0D2F-C2B8-3467-8579D70A9FA0}"/>
+                <a16:creationId xmlns:a16="http://schemas.microsoft.com/office/drawing/2014/main" id="{B136D920-5B2D-3150-BB87-0C1A4B3F47A6}"/>
               </a:ext>
             </a:extLst>
           </p:cNvPr>
@@ -2411,7 +2411,7 @@
           <p:cNvPr id="7" name="灯片编号占位符 6">
             <a:extLst>
               <a:ext uri="{FF2B5EF4-FFF2-40B4-BE49-F238E27FC236}">
-                <a16:creationId xmlns:a16="http://schemas.microsoft.com/office/drawing/2014/main" id="{EC70FB69-0E6C-EE45-16D1-3B527538B3B8}"/>
+                <a16:creationId xmlns:a16="http://schemas.microsoft.com/office/drawing/2014/main" id="{CE0E562F-3616-79AE-4E18-1CED4EACD97A}"/>
               </a:ext>
             </a:extLst>
           </p:cNvPr>
@@ -2427,7 +2427,7 @@
           <a:bodyPr/>
           <a:lstStyle/>
           <a:p>
-            <a:fld id="{8DB203CA-B80D-4117-A617-953BB75C88C5}" type="slidenum">
+            <a:fld id="{46F45A6E-4EC5-46D9-A1F7-6C050CB42130}" type="slidenum">
               <a:rPr lang="zh-CN" altLang="en-US" smtClean="0"/>
               <a:t>‹#›</a:t>
             </a:fld>
@@ -2438,7 +2438,7 @@
     </p:spTree>
     <p:extLst>
       <p:ext uri="{BB962C8B-B14F-4D97-AF65-F5344CB8AC3E}">
-        <p14:creationId xmlns:p14="http://schemas.microsoft.com/office/powerpoint/2010/main" val="1632901722"/>
+        <p14:creationId xmlns:p14="http://schemas.microsoft.com/office/powerpoint/2010/main" val="3401856546"/>
       </p:ext>
     </p:extLst>
   </p:cSld>
@@ -2470,7 +2470,7 @@
           <p:cNvPr id="2" name="标题 1">
             <a:extLst>
               <a:ext uri="{FF2B5EF4-FFF2-40B4-BE49-F238E27FC236}">
-                <a16:creationId xmlns:a16="http://schemas.microsoft.com/office/drawing/2014/main" id="{44AA9805-85D5-ED31-09B9-7BB89D8F13F1}"/>
+                <a16:creationId xmlns:a16="http://schemas.microsoft.com/office/drawing/2014/main" id="{F070CC5A-7246-0848-A5A2-AE95F3649B6C}"/>
               </a:ext>
             </a:extLst>
           </p:cNvPr>
@@ -2507,7 +2507,7 @@
           <p:cNvPr id="3" name="图片占位符 2">
             <a:extLst>
               <a:ext uri="{FF2B5EF4-FFF2-40B4-BE49-F238E27FC236}">
-                <a16:creationId xmlns:a16="http://schemas.microsoft.com/office/drawing/2014/main" id="{8777DFF1-B51E-A2F9-4071-C9840DB14F95}"/>
+                <a16:creationId xmlns:a16="http://schemas.microsoft.com/office/drawing/2014/main" id="{1993E825-A6AA-DE7B-DABC-99D856F77BB8}"/>
               </a:ext>
             </a:extLst>
           </p:cNvPr>
@@ -2574,7 +2574,7 @@
           <p:cNvPr id="4" name="文本占位符 3">
             <a:extLst>
               <a:ext uri="{FF2B5EF4-FFF2-40B4-BE49-F238E27FC236}">
-                <a16:creationId xmlns:a16="http://schemas.microsoft.com/office/drawing/2014/main" id="{42B7B9D4-E2C5-89EC-9CA3-E47DDC5E82A3}"/>
+                <a16:creationId xmlns:a16="http://schemas.microsoft.com/office/drawing/2014/main" id="{EC3B3BF8-1022-5C75-4482-509663362213}"/>
               </a:ext>
             </a:extLst>
           </p:cNvPr>
@@ -2645,7 +2645,7 @@
           <p:cNvPr id="5" name="日期占位符 4">
             <a:extLst>
               <a:ext uri="{FF2B5EF4-FFF2-40B4-BE49-F238E27FC236}">
-                <a16:creationId xmlns:a16="http://schemas.microsoft.com/office/drawing/2014/main" id="{AC31A416-9097-A4C0-B8E6-390B3CCECA4B}"/>
+                <a16:creationId xmlns:a16="http://schemas.microsoft.com/office/drawing/2014/main" id="{2B5D738A-29DC-A634-8F50-277F29DE7007}"/>
               </a:ext>
             </a:extLst>
           </p:cNvPr>
@@ -2661,7 +2661,7 @@
           <a:bodyPr/>
           <a:lstStyle/>
           <a:p>
-            <a:fld id="{2178ED1A-B299-4602-A9B1-FA356DBC877B}" type="datetimeFigureOut">
+            <a:fld id="{CDDD32A1-FA56-431C-AACA-78B900DE0D31}" type="datetimeFigureOut">
               <a:rPr lang="zh-CN" altLang="en-US" smtClean="0"/>
               <a:t>2024/3/10</a:t>
             </a:fld>
@@ -2674,7 +2674,7 @@
           <p:cNvPr id="6" name="页脚占位符 5">
             <a:extLst>
               <a:ext uri="{FF2B5EF4-FFF2-40B4-BE49-F238E27FC236}">
-                <a16:creationId xmlns:a16="http://schemas.microsoft.com/office/drawing/2014/main" id="{6591E249-0959-0B92-C217-719A612282BC}"/>
+                <a16:creationId xmlns:a16="http://schemas.microsoft.com/office/drawing/2014/main" id="{A403CFAC-4B0C-60C0-DF89-8AD1D445361D}"/>
               </a:ext>
             </a:extLst>
           </p:cNvPr>
@@ -2699,7 +2699,7 @@
           <p:cNvPr id="7" name="灯片编号占位符 6">
             <a:extLst>
               <a:ext uri="{FF2B5EF4-FFF2-40B4-BE49-F238E27FC236}">
-                <a16:creationId xmlns:a16="http://schemas.microsoft.com/office/drawing/2014/main" id="{4CA4B98A-135E-CD1F-CC6C-6188A25F897E}"/>
+                <a16:creationId xmlns:a16="http://schemas.microsoft.com/office/drawing/2014/main" id="{F53E3DA8-9817-22BB-F12D-37D09C75A064}"/>
               </a:ext>
             </a:extLst>
           </p:cNvPr>
@@ -2715,7 +2715,7 @@
           <a:bodyPr/>
           <a:lstStyle/>
           <a:p>
-            <a:fld id="{8DB203CA-B80D-4117-A617-953BB75C88C5}" type="slidenum">
+            <a:fld id="{46F45A6E-4EC5-46D9-A1F7-6C050CB42130}" type="slidenum">
               <a:rPr lang="zh-CN" altLang="en-US" smtClean="0"/>
               <a:t>‹#›</a:t>
             </a:fld>
@@ -2726,7 +2726,7 @@
     </p:spTree>
     <p:extLst>
       <p:ext uri="{BB962C8B-B14F-4D97-AF65-F5344CB8AC3E}">
-        <p14:creationId xmlns:p14="http://schemas.microsoft.com/office/powerpoint/2010/main" val="4096132229"/>
+        <p14:creationId xmlns:p14="http://schemas.microsoft.com/office/powerpoint/2010/main" val="2099604668"/>
       </p:ext>
     </p:extLst>
   </p:cSld>
@@ -2763,7 +2763,7 @@
           <p:cNvPr id="2" name="标题占位符 1">
             <a:extLst>
               <a:ext uri="{FF2B5EF4-FFF2-40B4-BE49-F238E27FC236}">
-                <a16:creationId xmlns:a16="http://schemas.microsoft.com/office/drawing/2014/main" id="{97DB2053-618A-4CA3-A8EF-A301FC4A4EE5}"/>
+                <a16:creationId xmlns:a16="http://schemas.microsoft.com/office/drawing/2014/main" id="{6D7E635A-7EDF-2D95-E7B9-BDC76F94E932}"/>
               </a:ext>
             </a:extLst>
           </p:cNvPr>
@@ -2801,7 +2801,7 @@
           <p:cNvPr id="3" name="文本占位符 2">
             <a:extLst>
               <a:ext uri="{FF2B5EF4-FFF2-40B4-BE49-F238E27FC236}">
-                <a16:creationId xmlns:a16="http://schemas.microsoft.com/office/drawing/2014/main" id="{7C2AD6C0-0FCF-DEE7-666C-69BF2165BDEE}"/>
+                <a16:creationId xmlns:a16="http://schemas.microsoft.com/office/drawing/2014/main" id="{6BDF9637-E83D-44FF-2CDF-052593508363}"/>
               </a:ext>
             </a:extLst>
           </p:cNvPr>
@@ -2868,7 +2868,7 @@
           <p:cNvPr id="4" name="日期占位符 3">
             <a:extLst>
               <a:ext uri="{FF2B5EF4-FFF2-40B4-BE49-F238E27FC236}">
-                <a16:creationId xmlns:a16="http://schemas.microsoft.com/office/drawing/2014/main" id="{6F8FB4A0-E8F1-88FA-4608-36F155EE4A0C}"/>
+                <a16:creationId xmlns:a16="http://schemas.microsoft.com/office/drawing/2014/main" id="{77372DD4-591E-271C-A318-BC6D0FB21D56}"/>
               </a:ext>
             </a:extLst>
           </p:cNvPr>
@@ -2902,7 +2902,7 @@
             </a:lvl1pPr>
           </a:lstStyle>
           <a:p>
-            <a:fld id="{2178ED1A-B299-4602-A9B1-FA356DBC877B}" type="datetimeFigureOut">
+            <a:fld id="{CDDD32A1-FA56-431C-AACA-78B900DE0D31}" type="datetimeFigureOut">
               <a:rPr lang="zh-CN" altLang="en-US" smtClean="0"/>
               <a:t>2024/3/10</a:t>
             </a:fld>
@@ -2915,7 +2915,7 @@
           <p:cNvPr id="5" name="页脚占位符 4">
             <a:extLst>
               <a:ext uri="{FF2B5EF4-FFF2-40B4-BE49-F238E27FC236}">
-                <a16:creationId xmlns:a16="http://schemas.microsoft.com/office/drawing/2014/main" id="{934F3E89-2CE9-C829-E140-1E80A9A9BD62}"/>
+                <a16:creationId xmlns:a16="http://schemas.microsoft.com/office/drawing/2014/main" id="{F2A038D0-3FBF-13AD-9B2B-D2EDFDCF4D59}"/>
               </a:ext>
             </a:extLst>
           </p:cNvPr>
@@ -2958,7 +2958,7 @@
           <p:cNvPr id="6" name="灯片编号占位符 5">
             <a:extLst>
               <a:ext uri="{FF2B5EF4-FFF2-40B4-BE49-F238E27FC236}">
-                <a16:creationId xmlns:a16="http://schemas.microsoft.com/office/drawing/2014/main" id="{6CD91A9A-BCEF-BEF9-BA3C-87C382A6AE59}"/>
+                <a16:creationId xmlns:a16="http://schemas.microsoft.com/office/drawing/2014/main" id="{A6A417EE-83CD-7B46-3807-0CA78B16DA52}"/>
               </a:ext>
             </a:extLst>
           </p:cNvPr>
@@ -2992,7 +2992,7 @@
             </a:lvl1pPr>
           </a:lstStyle>
           <a:p>
-            <a:fld id="{8DB203CA-B80D-4117-A617-953BB75C88C5}" type="slidenum">
+            <a:fld id="{46F45A6E-4EC5-46D9-A1F7-6C050CB42130}" type="slidenum">
               <a:rPr lang="zh-CN" altLang="en-US" smtClean="0"/>
               <a:t>‹#›</a:t>
             </a:fld>
@@ -3003,7 +3003,7 @@
     </p:spTree>
     <p:extLst>
       <p:ext uri="{BB962C8B-B14F-4D97-AF65-F5344CB8AC3E}">
-        <p14:creationId xmlns:p14="http://schemas.microsoft.com/office/powerpoint/2010/main" val="2384947150"/>
+        <p14:creationId xmlns:p14="http://schemas.microsoft.com/office/powerpoint/2010/main" val="3698249552"/>
       </p:ext>
     </p:extLst>
   </p:cSld>
